--- a/slides/0209Recitation.pptx
+++ b/slides/0209Recitation.pptx
@@ -218,7 +218,7 @@
           <a:p>
             <a:fld id="{4B2C3995-10D3-7249-9CF2-C18001382AD9}" type="datetimeFigureOut">
               <a:rPr lang="en-US" smtClean="0"/>
-              <a:t>2/7/22</a:t>
+              <a:t>2/8/22</a:t>
             </a:fld>
             <a:endParaRPr lang="en-US"/>
           </a:p>
@@ -1642,7 +1642,7 @@
           <a:p>
             <a:fld id="{4AAD347D-5ACD-4C99-B74B-A9C85AD731AF}" type="datetimeFigureOut">
               <a:rPr lang="en-US" dirty="0"/>
-              <a:t>2/7/22</a:t>
+              <a:t>2/8/22</a:t>
             </a:fld>
             <a:endParaRPr lang="en-US" dirty="0"/>
           </a:p>
@@ -1912,7 +1912,7 @@
           <a:p>
             <a:fld id="{4509A250-FF31-4206-8172-F9D3106AACB1}" type="datetimeFigureOut">
               <a:rPr lang="en-US" dirty="0"/>
-              <a:t>2/7/22</a:t>
+              <a:t>2/8/22</a:t>
             </a:fld>
             <a:endParaRPr lang="en-US" dirty="0"/>
           </a:p>
@@ -2101,7 +2101,7 @@
           <a:p>
             <a:fld id="{4509A250-FF31-4206-8172-F9D3106AACB1}" type="datetimeFigureOut">
               <a:rPr lang="en-US" dirty="0"/>
-              <a:t>2/7/22</a:t>
+              <a:t>2/8/22</a:t>
             </a:fld>
             <a:endParaRPr lang="en-US" dirty="0"/>
           </a:p>
@@ -2369,7 +2369,7 @@
           <a:p>
             <a:fld id="{4509A250-FF31-4206-8172-F9D3106AACB1}" type="datetimeFigureOut">
               <a:rPr lang="en-US" dirty="0"/>
-              <a:t>2/7/22</a:t>
+              <a:t>2/8/22</a:t>
             </a:fld>
             <a:endParaRPr lang="en-US" dirty="0"/>
           </a:p>
@@ -2705,7 +2705,7 @@
           <a:p>
             <a:fld id="{4509A250-FF31-4206-8172-F9D3106AACB1}" type="datetimeFigureOut">
               <a:rPr lang="en-US" dirty="0"/>
-              <a:t>2/7/22</a:t>
+              <a:t>2/8/22</a:t>
             </a:fld>
             <a:endParaRPr lang="en-US" dirty="0"/>
           </a:p>
@@ -3323,7 +3323,7 @@
           <a:p>
             <a:fld id="{4509A250-FF31-4206-8172-F9D3106AACB1}" type="datetimeFigureOut">
               <a:rPr lang="en-US" dirty="0"/>
-              <a:t>2/7/22</a:t>
+              <a:t>2/8/22</a:t>
             </a:fld>
             <a:endParaRPr lang="en-US" dirty="0"/>
           </a:p>
@@ -4178,7 +4178,7 @@
           <a:p>
             <a:fld id="{4509A250-FF31-4206-8172-F9D3106AACB1}" type="datetimeFigureOut">
               <a:rPr lang="en-US" dirty="0"/>
-              <a:t>2/7/22</a:t>
+              <a:t>2/8/22</a:t>
             </a:fld>
             <a:endParaRPr lang="en-US" dirty="0"/>
           </a:p>
@@ -4343,7 +4343,7 @@
           <a:p>
             <a:fld id="{4509A250-FF31-4206-8172-F9D3106AACB1}" type="datetimeFigureOut">
               <a:rPr lang="en-US" dirty="0"/>
-              <a:t>2/7/22</a:t>
+              <a:t>2/8/22</a:t>
             </a:fld>
             <a:endParaRPr lang="en-US" dirty="0"/>
           </a:p>
@@ -4518,7 +4518,7 @@
           <a:p>
             <a:fld id="{4509A250-FF31-4206-8172-F9D3106AACB1}" type="datetimeFigureOut">
               <a:rPr lang="en-US" dirty="0"/>
-              <a:t>2/7/22</a:t>
+              <a:t>2/8/22</a:t>
             </a:fld>
             <a:endParaRPr lang="en-US" dirty="0"/>
           </a:p>
@@ -4683,7 +4683,7 @@
           <a:p>
             <a:fld id="{4509A250-FF31-4206-8172-F9D3106AACB1}" type="datetimeFigureOut">
               <a:rPr lang="en-US" dirty="0"/>
-              <a:t>2/7/22</a:t>
+              <a:t>2/8/22</a:t>
             </a:fld>
             <a:endParaRPr lang="en-US" dirty="0"/>
           </a:p>
@@ -4925,7 +4925,7 @@
           <a:p>
             <a:fld id="{9796027F-7875-4030-9381-8BD8C4F21935}" type="datetimeFigureOut">
               <a:rPr lang="en-US" dirty="0"/>
-              <a:t>2/7/22</a:t>
+              <a:t>2/8/22</a:t>
             </a:fld>
             <a:endParaRPr lang="en-US" dirty="0"/>
           </a:p>
@@ -5212,7 +5212,7 @@
           <a:p>
             <a:fld id="{9796027F-7875-4030-9381-8BD8C4F21935}" type="datetimeFigureOut">
               <a:rPr lang="en-US" dirty="0"/>
-              <a:t>2/7/22</a:t>
+              <a:t>2/8/22</a:t>
             </a:fld>
             <a:endParaRPr lang="en-US" dirty="0"/>
           </a:p>
@@ -5651,7 +5651,7 @@
           <a:p>
             <a:fld id="{9796027F-7875-4030-9381-8BD8C4F21935}" type="datetimeFigureOut">
               <a:rPr lang="en-US" dirty="0"/>
-              <a:t>2/7/22</a:t>
+              <a:t>2/8/22</a:t>
             </a:fld>
             <a:endParaRPr lang="en-US" dirty="0"/>
           </a:p>
@@ -5764,7 +5764,7 @@
           <a:p>
             <a:fld id="{4509A250-FF31-4206-8172-F9D3106AACB1}" type="datetimeFigureOut">
               <a:rPr lang="en-US" dirty="0"/>
-              <a:t>2/7/22</a:t>
+              <a:t>2/8/22</a:t>
             </a:fld>
             <a:endParaRPr lang="en-US" dirty="0"/>
           </a:p>
@@ -5854,7 +5854,7 @@
           <a:p>
             <a:fld id="{4509A250-FF31-4206-8172-F9D3106AACB1}" type="datetimeFigureOut">
               <a:rPr lang="en-US" dirty="0"/>
-              <a:t>2/7/22</a:t>
+              <a:t>2/8/22</a:t>
             </a:fld>
             <a:endParaRPr lang="en-US" dirty="0"/>
           </a:p>
@@ -6128,7 +6128,7 @@
           <a:p>
             <a:fld id="{4509A250-FF31-4206-8172-F9D3106AACB1}" type="datetimeFigureOut">
               <a:rPr lang="en-US" dirty="0"/>
-              <a:t>2/7/22</a:t>
+              <a:t>2/8/22</a:t>
             </a:fld>
             <a:endParaRPr lang="en-US" dirty="0"/>
           </a:p>
@@ -6398,7 +6398,7 @@
           <a:p>
             <a:fld id="{4509A250-FF31-4206-8172-F9D3106AACB1}" type="datetimeFigureOut">
               <a:rPr lang="en-US" dirty="0"/>
-              <a:t>2/7/22</a:t>
+              <a:t>2/8/22</a:t>
             </a:fld>
             <a:endParaRPr lang="en-US" dirty="0"/>
           </a:p>
@@ -6822,7 +6822,7 @@
           <a:p>
             <a:fld id="{4AAD347D-5ACD-4C99-B74B-A9C85AD731AF}" type="datetimeFigureOut">
               <a:rPr lang="en-US" dirty="0"/>
-              <a:t>2/7/22</a:t>
+              <a:t>2/8/22</a:t>
             </a:fld>
             <a:endParaRPr lang="en-US" dirty="0"/>
           </a:p>
@@ -10031,8 +10031,12 @@
           </a:p>
           <a:p>
             <a:r>
-              <a:rPr lang="en-US" dirty="0"/>
-              <a:t>Scanner has multiple methods that we can utilize to read the file.</a:t>
+              <a:rPr lang="en-US" dirty="0" err="1"/>
+              <a:t>BufferedReader</a:t>
+            </a:r>
+            <a:r>
+              <a:rPr lang="en-US" dirty="0"/>
+              <a:t> has multiple methods that we can utilize to read the file.</a:t>
             </a:r>
           </a:p>
           <a:p>
